--- a/lectures3/gr/Pythonlearn-13-WebServices.pptx
+++ b/lectures3/gr/Pythonlearn-13-WebServices.pptx
@@ -9807,18 +9807,6 @@
               <a:t>-</a:t>
             </a:r>
             <a:r>
-              <a:rPr lang="el-GR" sz="3600" u="none" strike="noStrike" cap="none" dirty="0">
-                <a:solidFill>
-                  <a:srgbClr val="FF7F00"/>
-                </a:solidFill>
-                <a:latin typeface="Arial" charset="0"/>
-                <a:ea typeface="Arial" charset="0"/>
-                <a:cs typeface="Arial" charset="0"/>
-                <a:sym typeface="Cabin"/>
-              </a:rPr>
-              <a:t> </a:t>
-            </a:r>
-            <a:r>
               <a:rPr lang="el-GR" sz="3600" u="none" strike="noStrike" cap="none" dirty="0" err="1">
                 <a:solidFill>
                   <a:srgbClr val="FF7F00"/>
@@ -22809,7 +22797,7 @@
         <p:spPr>
           <a:xfrm>
             <a:off x="1549400" y="831850"/>
-            <a:ext cx="10589591" cy="6502399"/>
+            <a:ext cx="13618882" cy="6502399"/>
           </a:xfrm>
           <a:prstGeom prst="rect">
             <a:avLst/>
@@ -23065,10 +23053,10 @@
                 <a:cs typeface="Courier"/>
                 <a:sym typeface="Courier New"/>
               </a:rPr>
-              <a:t> type="</a:t>
-            </a:r>
-            <a:r>
-              <a:rPr lang="en-US" sz="3000" i="0" u="none" strike="noStrike" cap="none" dirty="0" err="1">
+              <a:t> </a:t>
+            </a:r>
+            <a:r>
+              <a:rPr lang="el-GR" sz="3000" dirty="0">
                 <a:solidFill>
                   <a:schemeClr val="lt1"/>
                 </a:solidFill>
@@ -23077,7 +23065,31 @@
                 <a:cs typeface="Courier"/>
                 <a:sym typeface="Courier New"/>
               </a:rPr>
-              <a:t>intl</a:t>
+              <a:t>τύπος</a:t>
+            </a:r>
+            <a:r>
+              <a:rPr lang="en-US" sz="3000" i="0" u="none" strike="noStrike" cap="none" dirty="0">
+                <a:solidFill>
+                  <a:schemeClr val="lt1"/>
+                </a:solidFill>
+                <a:latin typeface="Courier"/>
+                <a:ea typeface="Courier New"/>
+                <a:cs typeface="Courier"/>
+                <a:sym typeface="Courier New"/>
+              </a:rPr>
+              <a:t>="</a:t>
+            </a:r>
+            <a:r>
+              <a:rPr lang="el-GR" sz="3000" i="0" u="none" strike="noStrike" cap="none" dirty="0">
+                <a:solidFill>
+                  <a:schemeClr val="lt1"/>
+                </a:solidFill>
+                <a:latin typeface="Courier"/>
+                <a:ea typeface="Courier New"/>
+                <a:cs typeface="Courier"/>
+                <a:sym typeface="Courier New"/>
+              </a:rPr>
+              <a:t>εσωτερικό</a:t>
             </a:r>
             <a:r>
               <a:rPr lang="en-US" sz="3000" i="0" u="none" strike="noStrike" cap="none" dirty="0">
@@ -23206,7 +23218,55 @@
                 <a:cs typeface="Courier"/>
                 <a:sym typeface="Courier New"/>
               </a:rPr>
-              <a:t>   &lt;email hide="yes"/&gt;</a:t>
+              <a:t>   &lt;email </a:t>
+            </a:r>
+            <a:r>
+              <a:rPr lang="el-GR" sz="3000" i="0" u="none" strike="noStrike" cap="none" dirty="0">
+                <a:solidFill>
+                  <a:schemeClr val="lt1"/>
+                </a:solidFill>
+                <a:latin typeface="Courier"/>
+                <a:ea typeface="Courier New"/>
+                <a:cs typeface="Courier"/>
+                <a:sym typeface="Courier New"/>
+              </a:rPr>
+              <a:t>κρυφό</a:t>
+            </a:r>
+            <a:r>
+              <a:rPr lang="en-US" sz="3000" i="0" u="none" strike="noStrike" cap="none" dirty="0">
+                <a:solidFill>
+                  <a:schemeClr val="lt1"/>
+                </a:solidFill>
+                <a:latin typeface="Courier"/>
+                <a:ea typeface="Courier New"/>
+                <a:cs typeface="Courier"/>
+                <a:sym typeface="Courier New"/>
+              </a:rPr>
+              <a:t>="</a:t>
+            </a:r>
+            <a:r>
+              <a:rPr lang="el-GR" sz="3000" i="0" u="none" strike="noStrike" cap="none" dirty="0">
+                <a:solidFill>
+                  <a:schemeClr val="lt1"/>
+                </a:solidFill>
+                <a:latin typeface="Courier"/>
+                <a:ea typeface="Courier New"/>
+                <a:cs typeface="Courier"/>
+                <a:sym typeface="Courier New"/>
+              </a:rPr>
+              <a:t>ναι</a:t>
+            </a:r>
+            <a:r>
+              <a:rPr lang="en-US" sz="3000" i="0" u="none" strike="noStrike" cap="none" dirty="0">
+                <a:solidFill>
+                  <a:schemeClr val="lt1"/>
+                </a:solidFill>
+                <a:latin typeface="Courier"/>
+                <a:ea typeface="Courier New"/>
+                <a:cs typeface="Courier"/>
+                <a:sym typeface="Courier New"/>
+              </a:rPr>
+              <a:t>"/&gt;</a:t>
             </a:r>
           </a:p>
           <a:p>
@@ -23473,10 +23533,10 @@
                 <a:cs typeface="Courier"/>
                 <a:sym typeface="Courier New"/>
               </a:rPr>
-              <a:t>print('</a:t>
-            </a:r>
-            <a:r>
-              <a:rPr lang="en-US" sz="3000" i="0" u="none" strike="noStrike" cap="none" dirty="0" err="1">
+              <a:t>print(</a:t>
+            </a:r>
+            <a:r>
+              <a:rPr lang="el-GR" sz="3000" i="0" u="none" strike="noStrike" cap="none" dirty="0">
                 <a:solidFill>
                   <a:schemeClr val="lt1"/>
                 </a:solidFill>
@@ -23485,7 +23545,7 @@
                 <a:cs typeface="Courier"/>
                 <a:sym typeface="Courier New"/>
               </a:rPr>
-              <a:t>Attr</a:t>
+              <a:t>Χαρακτηριστικό</a:t>
             </a:r>
             <a:r>
               <a:rPr lang="en-US" sz="3000" i="0" u="none" strike="noStrike" cap="none" dirty="0">
@@ -23521,7 +23581,31 @@
                 <a:cs typeface="Courier"/>
                 <a:sym typeface="Courier New"/>
               </a:rPr>
-              <a:t>('email').get('hide'))</a:t>
+              <a:t>('email').get('</a:t>
+            </a:r>
+            <a:r>
+              <a:rPr lang="el-GR" sz="3000" i="0" u="none" strike="noStrike" cap="none" dirty="0">
+                <a:solidFill>
+                  <a:schemeClr val="lt1"/>
+                </a:solidFill>
+                <a:latin typeface="Courier"/>
+                <a:ea typeface="Courier New"/>
+                <a:cs typeface="Courier"/>
+                <a:sym typeface="Courier New"/>
+              </a:rPr>
+              <a:t>κρυφό</a:t>
+            </a:r>
+            <a:r>
+              <a:rPr lang="en-US" sz="3000" i="0" u="none" strike="noStrike" cap="none" dirty="0">
+                <a:solidFill>
+                  <a:schemeClr val="lt1"/>
+                </a:solidFill>
+                <a:latin typeface="Courier"/>
+                <a:ea typeface="Courier New"/>
+                <a:cs typeface="Courier"/>
+                <a:sym typeface="Courier New"/>
+              </a:rPr>
+              <a:t>'))</a:t>
             </a:r>
           </a:p>
         </p:txBody>
@@ -24860,7 +24944,31 @@
                 <a:cs typeface="Courier"/>
                 <a:sym typeface="Courier New"/>
               </a:rPr>
-              <a:t>    print('Attribute', </a:t>
+              <a:t>    print('</a:t>
+            </a:r>
+            <a:r>
+              <a:rPr lang="el-GR" sz="2400" i="0" u="none" strike="noStrike" cap="none" dirty="0">
+                <a:solidFill>
+                  <a:schemeClr val="lt1"/>
+                </a:solidFill>
+                <a:latin typeface="Courier"/>
+                <a:ea typeface="Courier New"/>
+                <a:cs typeface="Courier"/>
+                <a:sym typeface="Courier New"/>
+              </a:rPr>
+              <a:t>Χαρακτηριστικό</a:t>
+            </a:r>
+            <a:r>
+              <a:rPr lang="en-US" sz="2400" i="0" u="none" strike="noStrike" cap="none" dirty="0">
+                <a:solidFill>
+                  <a:schemeClr val="lt1"/>
+                </a:solidFill>
+                <a:latin typeface="Courier"/>
+                <a:ea typeface="Courier New"/>
+                <a:cs typeface="Courier"/>
+                <a:sym typeface="Courier New"/>
+              </a:rPr>
+              <a:t>', </a:t>
             </a:r>
             <a:r>
               <a:rPr lang="el-GR" sz="2400" i="0" u="none" strike="noStrike" cap="none" dirty="0">
@@ -25286,7 +25394,7 @@
           </a:ln>
           <a:extLst>
             <a:ext uri="{909E8E84-426E-40dd-AFC4-6F175D3DCCD1}">
-              <a14:hiddenFill xmlns="" xmlns:a14="http://schemas.microsoft.com/office/drawing/2010/main">
+              <a14:hiddenFill xmlns:a14="http://schemas.microsoft.com/office/drawing/2010/main" xmlns="">
                 <a:solidFill>
                   <a:srgbClr val="FFFFFF"/>
                 </a:solidFill>
@@ -25377,14 +25485,14 @@
           </a:ln>
           <a:extLst>
             <a:ext uri="{909E8E84-426E-40dd-AFC4-6F175D3DCCD1}">
-              <a14:hiddenFill xmlns="" xmlns:a14="http://schemas.microsoft.com/office/drawing/2010/main">
+              <a14:hiddenFill xmlns:a14="http://schemas.microsoft.com/office/drawing/2010/main" xmlns="">
                 <a:solidFill>
                   <a:srgbClr val="FFFFFF"/>
                 </a:solidFill>
               </a14:hiddenFill>
             </a:ext>
             <a:ext uri="{91240B29-F687-4f45-9708-019B960494DF}">
-              <a14:hiddenLine xmlns="" xmlns:a14="http://schemas.microsoft.com/office/drawing/2010/main" w="9525">
+              <a14:hiddenLine xmlns:a14="http://schemas.microsoft.com/office/drawing/2010/main" xmlns="" w="9525">
                 <a:solidFill>
                   <a:srgbClr val="000000"/>
                 </a:solidFill>
@@ -25418,14 +25526,14 @@
           </a:ln>
           <a:extLst>
             <a:ext uri="{909E8E84-426E-40dd-AFC4-6F175D3DCCD1}">
-              <a14:hiddenFill xmlns="" xmlns:a14="http://schemas.microsoft.com/office/drawing/2010/main">
+              <a14:hiddenFill xmlns:a14="http://schemas.microsoft.com/office/drawing/2010/main" xmlns="">
                 <a:solidFill>
                   <a:srgbClr val="FFFFFF"/>
                 </a:solidFill>
               </a14:hiddenFill>
             </a:ext>
             <a:ext uri="{91240B29-F687-4f45-9708-019B960494DF}">
-              <a14:hiddenLine xmlns="" xmlns:a14="http://schemas.microsoft.com/office/drawing/2010/main" w="9525">
+              <a14:hiddenLine xmlns:a14="http://schemas.microsoft.com/office/drawing/2010/main" xmlns="" w="9525">
                 <a:solidFill>
                   <a:srgbClr val="000000"/>
                 </a:solidFill>
@@ -25535,7 +25643,7 @@
           </a:ln>
           <a:extLst>
             <a:ext uri="{909E8E84-426E-40dd-AFC4-6F175D3DCCD1}">
-              <a14:hiddenFill xmlns="" xmlns:a14="http://schemas.microsoft.com/office/drawing/2010/main">
+              <a14:hiddenFill xmlns:a14="http://schemas.microsoft.com/office/drawing/2010/main" xmlns="">
                 <a:solidFill>
                   <a:srgbClr val="FFFFFF"/>
                 </a:solidFill>
@@ -25603,7 +25711,7 @@
           </a:ln>
           <a:extLst>
             <a:ext uri="{909E8E84-426E-40dd-AFC4-6F175D3DCCD1}">
-              <a14:hiddenFill xmlns="" xmlns:a14="http://schemas.microsoft.com/office/drawing/2010/main">
+              <a14:hiddenFill xmlns:a14="http://schemas.microsoft.com/office/drawing/2010/main" xmlns="">
                 <a:solidFill>
                   <a:srgbClr val="FFFFFF"/>
                 </a:solidFill>
@@ -25679,7 +25787,7 @@
           </a:ln>
           <a:extLst>
             <a:ext uri="{909E8E84-426E-40dd-AFC4-6F175D3DCCD1}">
-              <a14:hiddenFill xmlns="" xmlns:a14="http://schemas.microsoft.com/office/drawing/2010/main">
+              <a14:hiddenFill xmlns:a14="http://schemas.microsoft.com/office/drawing/2010/main" xmlns="">
                 <a:solidFill>
                   <a:srgbClr val="FFFFFF"/>
                 </a:solidFill>
@@ -26382,14 +26490,14 @@
           </a:ln>
           <a:extLst>
             <a:ext uri="{909E8E84-426E-40dd-AFC4-6F175D3DCCD1}">
-              <a14:hiddenFill xmlns="" xmlns:a14="http://schemas.microsoft.com/office/drawing/2010/main">
+              <a14:hiddenFill xmlns:a14="http://schemas.microsoft.com/office/drawing/2010/main" xmlns="">
                 <a:solidFill>
                   <a:srgbClr val="FFFFFF"/>
                 </a:solidFill>
               </a14:hiddenFill>
             </a:ext>
             <a:ext uri="{91240B29-F687-4f45-9708-019B960494DF}">
-              <a14:hiddenLine xmlns="" xmlns:a14="http://schemas.microsoft.com/office/drawing/2010/main" w="9525">
+              <a14:hiddenLine xmlns:a14="http://schemas.microsoft.com/office/drawing/2010/main" xmlns="" w="9525">
                 <a:solidFill>
                   <a:srgbClr val="000000"/>
                 </a:solidFill>
@@ -27353,7 +27461,7 @@
               <a:t>" : "</a:t>
             </a:r>
             <a:r>
-              <a:rPr lang="en-US" sz="3000" i="0" u="none" strike="noStrike" cap="none" dirty="0" err="1">
+              <a:rPr lang="el-GR" sz="3000" i="0" u="none" strike="noStrike" cap="none" dirty="0">
                 <a:solidFill>
                   <a:schemeClr val="lt1"/>
                 </a:solidFill>
@@ -27362,7 +27470,7 @@
                 <a:cs typeface="Courier"/>
                 <a:sym typeface="Courier New"/>
               </a:rPr>
-              <a:t>intl</a:t>
+              <a:t>εσωτερικό</a:t>
             </a:r>
             <a:r>
               <a:rPr lang="en-US" sz="3000" i="0" u="none" strike="noStrike" cap="none" dirty="0">
@@ -27582,7 +27690,31 @@
                 <a:cs typeface="Courier"/>
                 <a:sym typeface="Courier New"/>
               </a:rPr>
-              <a:t>" : "yes"</a:t>
+              <a:t>" : "</a:t>
+            </a:r>
+            <a:r>
+              <a:rPr lang="el-GR" sz="3000" i="0" u="none" strike="noStrike" cap="none" dirty="0">
+                <a:solidFill>
+                  <a:schemeClr val="lt1"/>
+                </a:solidFill>
+                <a:latin typeface="Courier"/>
+                <a:ea typeface="Courier New"/>
+                <a:cs typeface="Courier"/>
+                <a:sym typeface="Courier New"/>
+              </a:rPr>
+              <a:t>ναι</a:t>
+            </a:r>
+            <a:r>
+              <a:rPr lang="en-US" sz="3000" i="0" u="none" strike="noStrike" cap="none" dirty="0">
+                <a:solidFill>
+                  <a:schemeClr val="lt1"/>
+                </a:solidFill>
+                <a:latin typeface="Courier"/>
+                <a:ea typeface="Courier New"/>
+                <a:cs typeface="Courier"/>
+                <a:sym typeface="Courier New"/>
+              </a:rPr>
+              <a:t>"</a:t>
             </a:r>
           </a:p>
           <a:p>
@@ -28587,7 +28719,7 @@
               <a:buNone/>
             </a:pPr>
             <a:r>
-              <a:rPr lang="en-US" sz="2600" i="0" u="none" strike="noStrike" cap="none">
+              <a:rPr lang="en-US" sz="2600" i="0" u="none" strike="noStrike" cap="none" dirty="0">
                 <a:solidFill>
                   <a:schemeClr val="lt1"/>
                 </a:solidFill>
@@ -28598,15 +28730,6 @@
               </a:rPr>
               <a:t>]'''</a:t>
             </a:r>
-            <a:endParaRPr lang="en-US" sz="2600" i="0" u="none" strike="noStrike" cap="none" dirty="0">
-              <a:solidFill>
-                <a:schemeClr val="lt1"/>
-              </a:solidFill>
-              <a:latin typeface="Courier"/>
-              <a:ea typeface="Courier New"/>
-              <a:cs typeface="Courier"/>
-              <a:sym typeface="Courier New"/>
-            </a:endParaRPr>
           </a:p>
           <a:p>
             <a:pPr marL="0" marR="0" lvl="0" indent="0" algn="ctr" rtl="0">
@@ -28932,7 +29055,31 @@
                 <a:cs typeface="Courier"/>
                 <a:sym typeface="Courier New"/>
               </a:rPr>
-              <a:t>    print('Name', </a:t>
+              <a:t>    print('</a:t>
+            </a:r>
+            <a:r>
+              <a:rPr lang="el-GR" sz="2600" i="0" u="none" strike="noStrike" cap="none" dirty="0">
+                <a:solidFill>
+                  <a:schemeClr val="lt1"/>
+                </a:solidFill>
+                <a:latin typeface="Courier"/>
+                <a:ea typeface="Courier New"/>
+                <a:cs typeface="Courier"/>
+                <a:sym typeface="Courier New"/>
+              </a:rPr>
+              <a:t>Όνομα</a:t>
+            </a:r>
+            <a:r>
+              <a:rPr lang="en-US" sz="2600" i="0" u="none" strike="noStrike" cap="none" dirty="0">
+                <a:solidFill>
+                  <a:schemeClr val="lt1"/>
+                </a:solidFill>
+                <a:latin typeface="Courier"/>
+                <a:ea typeface="Courier New"/>
+                <a:cs typeface="Courier"/>
+                <a:sym typeface="Courier New"/>
+              </a:rPr>
+              <a:t>', </a:t>
             </a:r>
             <a:r>
               <a:rPr lang="el-GR" sz="2600" i="0" u="none" strike="noStrike" cap="none" dirty="0">
@@ -29078,7 +29225,7 @@
                 <a:cs typeface="Courier"/>
                 <a:sym typeface="Courier New"/>
               </a:rPr>
-              <a:t>Ιδιότητα</a:t>
+              <a:t>Χαρακτηριστικό</a:t>
             </a:r>
             <a:r>
               <a:rPr lang="en-US" sz="2600" i="0" u="none" strike="noStrike" cap="none" dirty="0">
